--- a/PLPTH813Bioinformatis/2019/labs/lab05_NGS.pptx
+++ b/PLPTH813Bioinformatis/2019/labs/lab05_NGS.pptx
@@ -211,7 +211,7 @@
           <a:p>
             <a:fld id="{08E6E0A8-E17C-C949-B17E-7A1A6494483A}" type="datetimeFigureOut">
               <a:rPr lang="en-US" smtClean="0"/>
-              <a:t>2/20/19</a:t>
+              <a:t>2/27/19</a:t>
             </a:fld>
             <a:endParaRPr lang="en-US"/>
           </a:p>
@@ -660,7 +660,7 @@
           <a:p>
             <a:fld id="{42B8B0BE-C8D7-EB48-AD68-71DB5002F24B}" type="datetimeFigureOut">
               <a:rPr lang="en-US" smtClean="0"/>
-              <a:t>2/20/19</a:t>
+              <a:t>2/27/19</a:t>
             </a:fld>
             <a:endParaRPr lang="en-US"/>
           </a:p>
@@ -830,7 +830,7 @@
           <a:p>
             <a:fld id="{42B8B0BE-C8D7-EB48-AD68-71DB5002F24B}" type="datetimeFigureOut">
               <a:rPr lang="en-US" smtClean="0"/>
-              <a:t>2/20/19</a:t>
+              <a:t>2/27/19</a:t>
             </a:fld>
             <a:endParaRPr lang="en-US"/>
           </a:p>
@@ -1010,7 +1010,7 @@
           <a:p>
             <a:fld id="{42B8B0BE-C8D7-EB48-AD68-71DB5002F24B}" type="datetimeFigureOut">
               <a:rPr lang="en-US" smtClean="0"/>
-              <a:t>2/20/19</a:t>
+              <a:t>2/27/19</a:t>
             </a:fld>
             <a:endParaRPr lang="en-US"/>
           </a:p>
@@ -1180,7 +1180,7 @@
           <a:p>
             <a:fld id="{42B8B0BE-C8D7-EB48-AD68-71DB5002F24B}" type="datetimeFigureOut">
               <a:rPr lang="en-US" smtClean="0"/>
-              <a:t>2/20/19</a:t>
+              <a:t>2/27/19</a:t>
             </a:fld>
             <a:endParaRPr lang="en-US"/>
           </a:p>
@@ -1426,7 +1426,7 @@
           <a:p>
             <a:fld id="{42B8B0BE-C8D7-EB48-AD68-71DB5002F24B}" type="datetimeFigureOut">
               <a:rPr lang="en-US" smtClean="0"/>
-              <a:t>2/20/19</a:t>
+              <a:t>2/27/19</a:t>
             </a:fld>
             <a:endParaRPr lang="en-US"/>
           </a:p>
@@ -1714,7 +1714,7 @@
           <a:p>
             <a:fld id="{42B8B0BE-C8D7-EB48-AD68-71DB5002F24B}" type="datetimeFigureOut">
               <a:rPr lang="en-US" smtClean="0"/>
-              <a:t>2/20/19</a:t>
+              <a:t>2/27/19</a:t>
             </a:fld>
             <a:endParaRPr lang="en-US"/>
           </a:p>
@@ -2136,7 +2136,7 @@
           <a:p>
             <a:fld id="{42B8B0BE-C8D7-EB48-AD68-71DB5002F24B}" type="datetimeFigureOut">
               <a:rPr lang="en-US" smtClean="0"/>
-              <a:t>2/20/19</a:t>
+              <a:t>2/27/19</a:t>
             </a:fld>
             <a:endParaRPr lang="en-US"/>
           </a:p>
@@ -2254,7 +2254,7 @@
           <a:p>
             <a:fld id="{42B8B0BE-C8D7-EB48-AD68-71DB5002F24B}" type="datetimeFigureOut">
               <a:rPr lang="en-US" smtClean="0"/>
-              <a:t>2/20/19</a:t>
+              <a:t>2/27/19</a:t>
             </a:fld>
             <a:endParaRPr lang="en-US"/>
           </a:p>
@@ -2349,7 +2349,7 @@
           <a:p>
             <a:fld id="{42B8B0BE-C8D7-EB48-AD68-71DB5002F24B}" type="datetimeFigureOut">
               <a:rPr lang="en-US" smtClean="0"/>
-              <a:t>2/20/19</a:t>
+              <a:t>2/27/19</a:t>
             </a:fld>
             <a:endParaRPr lang="en-US"/>
           </a:p>
@@ -2626,7 +2626,7 @@
           <a:p>
             <a:fld id="{42B8B0BE-C8D7-EB48-AD68-71DB5002F24B}" type="datetimeFigureOut">
               <a:rPr lang="en-US" smtClean="0"/>
-              <a:t>2/20/19</a:t>
+              <a:t>2/27/19</a:t>
             </a:fld>
             <a:endParaRPr lang="en-US"/>
           </a:p>
@@ -2879,7 +2879,7 @@
           <a:p>
             <a:fld id="{42B8B0BE-C8D7-EB48-AD68-71DB5002F24B}" type="datetimeFigureOut">
               <a:rPr lang="en-US" smtClean="0"/>
-              <a:t>2/20/19</a:t>
+              <a:t>2/27/19</a:t>
             </a:fld>
             <a:endParaRPr lang="en-US"/>
           </a:p>
@@ -3092,7 +3092,7 @@
           <a:p>
             <a:fld id="{42B8B0BE-C8D7-EB48-AD68-71DB5002F24B}" type="datetimeFigureOut">
               <a:rPr lang="en-US" smtClean="0"/>
-              <a:t>2/20/19</a:t>
+              <a:t>2/27/19</a:t>
             </a:fld>
             <a:endParaRPr lang="en-US"/>
           </a:p>
@@ -3556,15 +3556,7 @@
             </a:r>
             <a:r>
               <a:rPr lang="en-US" sz="2800" dirty="0" smtClean="0"/>
-              <a:t>/</a:t>
-            </a:r>
-            <a:r>
-              <a:rPr lang="en-US" sz="2800" dirty="0" smtClean="0"/>
-              <a:t>21</a:t>
-            </a:r>
-            <a:r>
-              <a:rPr lang="en-US" sz="2800" dirty="0" smtClean="0"/>
-              <a:t>/2019</a:t>
+              <a:t>/21/2019</a:t>
             </a:r>
             <a:endParaRPr lang="en-US" sz="2800" dirty="0"/>
           </a:p>
@@ -4016,8 +4008,8 @@
         </p:nvSpPr>
         <p:spPr>
           <a:xfrm>
-            <a:off x="457200" y="1381538"/>
-            <a:ext cx="8145009" cy="3270457"/>
+            <a:off x="180418" y="1381538"/>
+            <a:ext cx="8686800" cy="3270457"/>
           </a:xfrm>
         </p:spPr>
         <p:txBody>
@@ -4145,21 +4137,14 @@
                 <a:latin typeface="Courier"/>
                 <a:cs typeface="Courier"/>
               </a:rPr>
-              <a:t> </a:t>
-            </a:r>
-            <a:r>
-              <a:rPr lang="en-US" sz="2000" dirty="0" err="1">
-                <a:latin typeface="Courier"/>
-                <a:cs typeface="Courier"/>
-              </a:rPr>
-              <a:t>example.fq</a:t>
-            </a:r>
-            <a:r>
-              <a:rPr lang="en-US" sz="2000" dirty="0">
-                <a:latin typeface="Courier"/>
-                <a:cs typeface="Courier"/>
-              </a:rPr>
-              <a:t> </a:t>
+              <a:t> DH10B.pair1.</a:t>
+            </a:r>
+            <a:r>
+              <a:rPr lang="en-US" sz="2000" dirty="0" smtClean="0">
+                <a:latin typeface="Courier"/>
+                <a:cs typeface="Courier"/>
+              </a:rPr>
+              <a:t>fq </a:t>
             </a:r>
             <a:r>
               <a:rPr lang="en-US" sz="2000" dirty="0" err="1">
@@ -7940,28 +7925,53 @@
                 <a:latin typeface="Courier"/>
                 <a:cs typeface="Courier"/>
               </a:rPr>
-              <a:t>/homes/liu3zhen/local/bin</a:t>
+              <a:t>/homes/</a:t>
             </a:r>
             <a:r>
               <a:rPr lang="en-US" sz="1600" dirty="0" smtClean="0">
                 <a:latin typeface="Courier"/>
                 <a:cs typeface="Courier"/>
               </a:rPr>
+              <a:t>liu3zhen</a:t>
+            </a:r>
+            <a:r>
+              <a:rPr lang="en-US" sz="1600" dirty="0" smtClean="0"/>
               <a:t>/</a:t>
             </a:r>
             <a:r>
-              <a:rPr lang="en-US" sz="1600" dirty="0" err="1" smtClean="0">
-                <a:latin typeface="Courier"/>
-                <a:cs typeface="Courier"/>
-              </a:rPr>
+              <a:rPr lang="en-US" sz="1600" dirty="0"/>
+              <a:t>software/</a:t>
+            </a:r>
+            <a:r>
+              <a:rPr lang="en-US" sz="1600" dirty="0" err="1"/>
               <a:t>fastqc</a:t>
             </a:r>
             <a:r>
+              <a:rPr lang="en-US" sz="1600" dirty="0"/>
+              <a:t>/</a:t>
+            </a:r>
+            <a:r>
+              <a:rPr lang="en-US" sz="1600" dirty="0" err="1"/>
+              <a:t>FastQC</a:t>
+            </a:r>
+            <a:r>
+              <a:rPr lang="en-US" sz="1600" dirty="0"/>
+              <a:t>/</a:t>
+            </a:r>
+            <a:r>
+              <a:rPr lang="en-US" sz="1600" dirty="0" err="1" smtClean="0"/>
+              <a:t>fastqc</a:t>
+            </a:r>
+            <a:r>
+              <a:rPr lang="en-US" sz="1600" dirty="0" smtClean="0"/>
+              <a:t> </a:t>
+            </a:r>
+            <a:r>
               <a:rPr lang="en-US" sz="1600" dirty="0" smtClean="0">
                 <a:latin typeface="Courier"/>
                 <a:cs typeface="Courier"/>
               </a:rPr>
-              <a:t> DH10B.pair1</a:t>
+              <a:t>DH10B.pair1</a:t>
             </a:r>
             <a:r>
               <a:rPr lang="en-US" sz="1600" dirty="0">
@@ -7982,7 +7992,7 @@
         <p:spPr>
           <a:xfrm>
             <a:off x="2079303" y="3967702"/>
-            <a:ext cx="3668192" cy="1200328"/>
+            <a:ext cx="3334867" cy="1200328"/>
           </a:xfrm>
           <a:prstGeom prst="rect">
             <a:avLst/>
@@ -8002,19 +8012,16 @@
           </a:p>
           <a:p>
             <a:r>
-              <a:rPr lang="en-US" sz="2400" dirty="0"/>
-              <a:t>DH10B.pair1.</a:t>
-            </a:r>
-            <a:r>
               <a:rPr lang="en-US" sz="2400" dirty="0" smtClean="0"/>
-              <a:t>fq_fastqc.html</a:t>
-            </a:r>
-          </a:p>
-          <a:p>
-            <a:r>
-              <a:rPr lang="en-US" sz="2400" dirty="0"/>
-              <a:t>DH10B.pair1.fq_fastqc.zip</a:t>
-            </a:r>
+              <a:t>DH10B.pair1_fastqc.html</a:t>
+            </a:r>
+          </a:p>
+          <a:p>
+            <a:r>
+              <a:rPr lang="en-US" sz="2400" dirty="0" smtClean="0"/>
+              <a:t>DH10B.pair1_fastqc.zip</a:t>
+            </a:r>
+            <a:endParaRPr lang="en-US" sz="2400" dirty="0"/>
           </a:p>
         </p:txBody>
       </p:sp>
@@ -8027,7 +8034,7 @@
         <p:spPr>
           <a:xfrm>
             <a:off x="302739" y="5686455"/>
-            <a:ext cx="4955979" cy="400110"/>
+            <a:ext cx="4648153" cy="400110"/>
           </a:xfrm>
           <a:prstGeom prst="rect">
             <a:avLst/>
@@ -8045,15 +8052,12 @@
                 <a:latin typeface="Courier"/>
                 <a:cs typeface="Courier"/>
               </a:rPr>
-              <a:t>unzip </a:t>
-            </a:r>
-            <a:r>
-              <a:rPr lang="en-US" sz="2000" dirty="0">
-                <a:latin typeface="Courier"/>
-                <a:cs typeface="Courier"/>
-              </a:rPr>
-              <a:t>DH10B.pair1.fq_fastqc.zip</a:t>
-            </a:r>
+              <a:t>unzip DH10B.pair1_fastqc.zip</a:t>
+            </a:r>
+            <a:endParaRPr lang="en-US" sz="2000" dirty="0">
+              <a:latin typeface="Courier"/>
+              <a:cs typeface="Courier"/>
+            </a:endParaRPr>
           </a:p>
         </p:txBody>
       </p:sp>
@@ -8357,6 +8361,13 @@
   <p:clrMapOvr>
     <a:masterClrMapping/>
   </p:clrMapOvr>
+  <p:timing>
+    <p:tnLst>
+      <p:par>
+        <p:cTn xmlns:p14="http://schemas.microsoft.com/office/powerpoint/2010/main" id="1" dur="indefinite" restart="never" nodeType="tmRoot"/>
+      </p:par>
+    </p:tnLst>
+  </p:timing>
 </p:sld>
 </file>
 
@@ -8412,51 +8423,53 @@
         </p:nvSpPr>
         <p:spPr>
           <a:xfrm>
-            <a:off x="882480" y="2272532"/>
-            <a:ext cx="7804320" cy="2343281"/>
+            <a:off x="882480" y="1609857"/>
+            <a:ext cx="7804320" cy="3746769"/>
           </a:xfrm>
         </p:spPr>
         <p:txBody>
-          <a:bodyPr/>
+          <a:bodyPr>
+            <a:normAutofit/>
+          </a:bodyPr>
           <a:lstStyle/>
           <a:p>
             <a:pPr marL="0" indent="0">
               <a:buNone/>
             </a:pPr>
             <a:r>
-              <a:rPr lang="en-US" dirty="0"/>
+              <a:rPr lang="en-US" sz="2800" dirty="0"/>
               <a:t>v</a:t>
             </a:r>
             <a:r>
-              <a:rPr lang="en-US" dirty="0" smtClean="0"/>
+              <a:rPr lang="en-US" sz="2800" dirty="0" smtClean="0"/>
               <a:t>i ~/.</a:t>
             </a:r>
             <a:r>
-              <a:rPr lang="en-US" dirty="0" err="1" smtClean="0"/>
+              <a:rPr lang="en-US" sz="2800" dirty="0" err="1" smtClean="0"/>
               <a:t>bashrc</a:t>
             </a:r>
-            <a:endParaRPr lang="en-US" dirty="0"/>
-          </a:p>
-          <a:p>
-            <a:pPr marL="0" indent="0">
-              <a:buNone/>
-            </a:pPr>
-            <a:endParaRPr lang="en-US" dirty="0" smtClean="0"/>
-          </a:p>
-          <a:p>
-            <a:pPr marL="0" indent="0">
-              <a:buNone/>
-            </a:pPr>
-            <a:r>
-              <a:rPr lang="en-US" dirty="0" smtClean="0"/>
+            <a:endParaRPr lang="en-US" sz="2800" dirty="0"/>
+          </a:p>
+          <a:p>
+            <a:pPr marL="0" indent="0">
+              <a:buNone/>
+            </a:pPr>
+            <a:endParaRPr lang="en-US" sz="2800" dirty="0" smtClean="0"/>
+          </a:p>
+          <a:p>
+            <a:pPr marL="0" indent="0">
+              <a:buNone/>
+            </a:pPr>
+            <a:r>
+              <a:rPr lang="en-US" sz="2800" dirty="0" smtClean="0"/>
               <a:t># add</a:t>
             </a:r>
             <a:r>
-              <a:rPr lang="en-US" dirty="0"/>
+              <a:rPr lang="en-US" sz="2800" dirty="0"/>
               <a:t> </a:t>
             </a:r>
             <a:r>
-              <a:rPr lang="en-US" dirty="0" smtClean="0"/>
+              <a:rPr lang="en-US" sz="2800" dirty="0" smtClean="0"/>
               <a:t>the path:</a:t>
             </a:r>
           </a:p>
@@ -8465,22 +8478,50 @@
               <a:buNone/>
             </a:pPr>
             <a:r>
-              <a:rPr lang="en-US" dirty="0"/>
+              <a:rPr lang="en-US" sz="2800" dirty="0"/>
               <a:t>PATH=$PATH</a:t>
             </a:r>
             <a:r>
-              <a:rPr lang="en-US" dirty="0" smtClean="0"/>
+              <a:rPr lang="en-US" sz="2800" dirty="0" smtClean="0"/>
               <a:t>:</a:t>
             </a:r>
             <a:r>
-              <a:rPr lang="en-US" dirty="0"/>
+              <a:rPr lang="en-US" sz="2800" dirty="0"/>
               <a:t>/homes/liu3zhen/local/</a:t>
             </a:r>
             <a:r>
-              <a:rPr lang="en-US" dirty="0" smtClean="0"/>
+              <a:rPr lang="en-US" sz="2800" dirty="0" smtClean="0"/>
               <a:t>bin:</a:t>
             </a:r>
-            <a:endParaRPr lang="en-US" dirty="0"/>
+          </a:p>
+          <a:p>
+            <a:pPr marL="0" indent="0">
+              <a:buNone/>
+            </a:pPr>
+            <a:endParaRPr lang="en-US" sz="2800" dirty="0"/>
+          </a:p>
+          <a:p>
+            <a:pPr marL="0" indent="0">
+              <a:buNone/>
+            </a:pPr>
+            <a:r>
+              <a:rPr lang="en-US" sz="2800" dirty="0" smtClean="0"/>
+              <a:t># run</a:t>
+            </a:r>
+          </a:p>
+          <a:p>
+            <a:pPr marL="0" indent="0">
+              <a:buNone/>
+            </a:pPr>
+            <a:r>
+              <a:rPr lang="en-US" sz="2800" dirty="0" smtClean="0"/>
+              <a:t>source ~/.</a:t>
+            </a:r>
+            <a:r>
+              <a:rPr lang="en-US" sz="2800" dirty="0" err="1" smtClean="0"/>
+              <a:t>bashrc</a:t>
+            </a:r>
+            <a:endParaRPr lang="en-US" sz="2800" dirty="0" smtClean="0"/>
           </a:p>
         </p:txBody>
       </p:sp>
